--- a/windocs/neo-charm/diagrams/neo-charm-2-0-0.pptx
+++ b/windocs/neo-charm/diagrams/neo-charm-2-0-0.pptx
@@ -5,8 +5,7 @@
     <p:sldMasterId id="2147483648" r:id="rId1"/>
   </p:sldMasterIdLst>
   <p:sldIdLst>
-    <p:sldId id="256" r:id="rId2"/>
-    <p:sldId id="257" r:id="rId3"/>
+    <p:sldId id="257" r:id="rId2"/>
   </p:sldIdLst>
   <p:sldSz cx="12192000" cy="6858000"/>
   <p:notesSz cx="6858000" cy="9144000"/>
@@ -105,6 +104,11 @@
       </a:defRPr>
     </a:lvl9pPr>
   </p:defaultTextStyle>
+  <p:extLst>
+    <p:ext uri="{EFAFB233-063F-42B5-8137-9DF3F51BA10A}">
+      <p15:sldGuideLst xmlns:p15="http://schemas.microsoft.com/office/powerpoint/2012/main"/>
+    </p:ext>
+  </p:extLst>
 </p:presentation>
 </file>
 
@@ -3343,86 +3347,6 @@
           <a:chExt cx="0" cy="0"/>
         </a:xfrm>
       </p:grpSpPr>
-      <p:sp>
-        <p:nvSpPr>
-          <p:cNvPr id="2" name="Title 1">
-            <a:extLst>
-              <a:ext uri="{FF2B5EF4-FFF2-40B4-BE49-F238E27FC236}">
-                <a16:creationId xmlns:a16="http://schemas.microsoft.com/office/drawing/2014/main" id="{27DD890B-D8FF-497A-B67C-44D9076A6B1B}"/>
-              </a:ext>
-            </a:extLst>
-          </p:cNvPr>
-          <p:cNvSpPr>
-            <a:spLocks noGrp="1"/>
-          </p:cNvSpPr>
-          <p:nvPr>
-            <p:ph type="ctrTitle"/>
-          </p:nvPr>
-        </p:nvSpPr>
-        <p:spPr/>
-        <p:txBody>
-          <a:bodyPr/>
-          <a:lstStyle/>
-          <a:p>
-            <a:endParaRPr lang="en-CA"/>
-          </a:p>
-        </p:txBody>
-      </p:sp>
-      <p:sp>
-        <p:nvSpPr>
-          <p:cNvPr id="3" name="Subtitle 2">
-            <a:extLst>
-              <a:ext uri="{FF2B5EF4-FFF2-40B4-BE49-F238E27FC236}">
-                <a16:creationId xmlns:a16="http://schemas.microsoft.com/office/drawing/2014/main" id="{58B1AF30-11F3-417E-ABE6-0948939B84E9}"/>
-              </a:ext>
-            </a:extLst>
-          </p:cNvPr>
-          <p:cNvSpPr>
-            <a:spLocks noGrp="1"/>
-          </p:cNvSpPr>
-          <p:nvPr>
-            <p:ph type="subTitle" idx="1"/>
-          </p:nvPr>
-        </p:nvSpPr>
-        <p:spPr/>
-        <p:txBody>
-          <a:bodyPr/>
-          <a:lstStyle/>
-          <a:p>
-            <a:endParaRPr lang="en-CA"/>
-          </a:p>
-        </p:txBody>
-      </p:sp>
-    </p:spTree>
-    <p:extLst>
-      <p:ext uri="{BB962C8B-B14F-4D97-AF65-F5344CB8AC3E}">
-        <p14:creationId xmlns:p14="http://schemas.microsoft.com/office/powerpoint/2010/main" val="789154302"/>
-      </p:ext>
-    </p:extLst>
-  </p:cSld>
-  <p:clrMapOvr>
-    <a:masterClrMapping/>
-  </p:clrMapOvr>
-</p:sld>
-</file>
-
-<file path=ppt/slides/slide2.xml><?xml version="1.0" encoding="utf-8"?>
-<p:sld xmlns:a="http://schemas.openxmlformats.org/drawingml/2006/main" xmlns:r="http://schemas.openxmlformats.org/officeDocument/2006/relationships" xmlns:p="http://schemas.openxmlformats.org/presentationml/2006/main">
-  <p:cSld>
-    <p:spTree>
-      <p:nvGrpSpPr>
-        <p:cNvPr id="1" name=""/>
-        <p:cNvGrpSpPr/>
-        <p:nvPr/>
-      </p:nvGrpSpPr>
-      <p:grpSpPr>
-        <a:xfrm>
-          <a:off x="0" y="0"/>
-          <a:ext cx="0" cy="0"/>
-          <a:chOff x="0" y="0"/>
-          <a:chExt cx="0" cy="0"/>
-        </a:xfrm>
-      </p:grpSpPr>
       <p:pic>
         <p:nvPicPr>
           <p:cNvPr id="28" name="Picture 27">
@@ -3651,10 +3575,10 @@
       </p:sp>
       <p:sp>
         <p:nvSpPr>
-          <p:cNvPr id="11" name="Oval 10">
-            <a:extLst>
-              <a:ext uri="{FF2B5EF4-FFF2-40B4-BE49-F238E27FC236}">
-                <a16:creationId xmlns:a16="http://schemas.microsoft.com/office/drawing/2014/main" id="{01AD4A95-CE13-46C2-A861-CDF87E9AB639}"/>
+          <p:cNvPr id="13" name="Oval 12">
+            <a:extLst>
+              <a:ext uri="{FF2B5EF4-FFF2-40B4-BE49-F238E27FC236}">
+                <a16:creationId xmlns:a16="http://schemas.microsoft.com/office/drawing/2014/main" id="{E6764F69-E9AA-4A61-8456-D7AFE087FD31}"/>
               </a:ext>
             </a:extLst>
           </p:cNvPr>
@@ -3663,7 +3587,7 @@
         </p:nvSpPr>
         <p:spPr>
           <a:xfrm>
-            <a:off x="8990031" y="2898746"/>
+            <a:off x="131975" y="295372"/>
             <a:ext cx="254524" cy="254524"/>
           </a:xfrm>
           <a:prstGeom prst="ellipse">
@@ -3693,17 +3617,17 @@
             <a:pPr algn="ctr"/>
             <a:r>
               <a:rPr lang="en-CA" sz="1400" b="1" dirty="0"/>
-              <a:t>F</a:t>
-            </a:r>
-          </a:p>
-        </p:txBody>
-      </p:sp>
-      <p:sp>
-        <p:nvSpPr>
-          <p:cNvPr id="12" name="Oval 11">
-            <a:extLst>
-              <a:ext uri="{FF2B5EF4-FFF2-40B4-BE49-F238E27FC236}">
-                <a16:creationId xmlns:a16="http://schemas.microsoft.com/office/drawing/2014/main" id="{CC96DA4C-362A-4772-BAC5-16D629CCA276}"/>
+              <a:t>G</a:t>
+            </a:r>
+          </a:p>
+        </p:txBody>
+      </p:sp>
+      <p:sp>
+        <p:nvSpPr>
+          <p:cNvPr id="14" name="Oval 13">
+            <a:extLst>
+              <a:ext uri="{FF2B5EF4-FFF2-40B4-BE49-F238E27FC236}">
+                <a16:creationId xmlns:a16="http://schemas.microsoft.com/office/drawing/2014/main" id="{CA962D07-3E22-4790-A8E3-C0B94530D431}"/>
               </a:ext>
             </a:extLst>
           </p:cNvPr>
@@ -3712,7 +3636,7 @@
         </p:nvSpPr>
         <p:spPr>
           <a:xfrm>
-            <a:off x="8996810" y="1594705"/>
+            <a:off x="1208202" y="559323"/>
             <a:ext cx="254524" cy="254524"/>
           </a:xfrm>
           <a:prstGeom prst="ellipse">
@@ -3742,17 +3666,17 @@
             <a:pPr algn="ctr"/>
             <a:r>
               <a:rPr lang="en-CA" sz="1400" b="1" dirty="0"/>
-              <a:t>E</a:t>
-            </a:r>
-          </a:p>
-        </p:txBody>
-      </p:sp>
-      <p:sp>
-        <p:nvSpPr>
-          <p:cNvPr id="13" name="Oval 12">
-            <a:extLst>
-              <a:ext uri="{FF2B5EF4-FFF2-40B4-BE49-F238E27FC236}">
-                <a16:creationId xmlns:a16="http://schemas.microsoft.com/office/drawing/2014/main" id="{E6764F69-E9AA-4A61-8456-D7AFE087FD31}"/>
+              <a:t>H</a:t>
+            </a:r>
+          </a:p>
+        </p:txBody>
+      </p:sp>
+      <p:sp>
+        <p:nvSpPr>
+          <p:cNvPr id="15" name="Oval 14">
+            <a:extLst>
+              <a:ext uri="{FF2B5EF4-FFF2-40B4-BE49-F238E27FC236}">
+                <a16:creationId xmlns:a16="http://schemas.microsoft.com/office/drawing/2014/main" id="{E189AC84-34C2-498D-8D07-C8411387C8B6}"/>
               </a:ext>
             </a:extLst>
           </p:cNvPr>
@@ -3761,7 +3685,7 @@
         </p:nvSpPr>
         <p:spPr>
           <a:xfrm>
-            <a:off x="131975" y="295372"/>
+            <a:off x="1335464" y="1641835"/>
             <a:ext cx="254524" cy="254524"/>
           </a:xfrm>
           <a:prstGeom prst="ellipse">
@@ -3791,17 +3715,17 @@
             <a:pPr algn="ctr"/>
             <a:r>
               <a:rPr lang="en-CA" sz="1400" b="1" dirty="0"/>
-              <a:t>G</a:t>
-            </a:r>
-          </a:p>
-        </p:txBody>
-      </p:sp>
-      <p:sp>
-        <p:nvSpPr>
-          <p:cNvPr id="14" name="Oval 13">
-            <a:extLst>
-              <a:ext uri="{FF2B5EF4-FFF2-40B4-BE49-F238E27FC236}">
-                <a16:creationId xmlns:a16="http://schemas.microsoft.com/office/drawing/2014/main" id="{CA962D07-3E22-4790-A8E3-C0B94530D431}"/>
+              <a:t>I</a:t>
+            </a:r>
+          </a:p>
+        </p:txBody>
+      </p:sp>
+      <p:sp>
+        <p:nvSpPr>
+          <p:cNvPr id="16" name="Oval 15">
+            <a:extLst>
+              <a:ext uri="{FF2B5EF4-FFF2-40B4-BE49-F238E27FC236}">
+                <a16:creationId xmlns:a16="http://schemas.microsoft.com/office/drawing/2014/main" id="{871BBB6B-792C-4E59-925C-DDA254494FC6}"/>
               </a:ext>
             </a:extLst>
           </p:cNvPr>
@@ -3810,7 +3734,7 @@
         </p:nvSpPr>
         <p:spPr>
           <a:xfrm>
-            <a:off x="1208202" y="559323"/>
+            <a:off x="1751814" y="1341748"/>
             <a:ext cx="254524" cy="254524"/>
           </a:xfrm>
           <a:prstGeom prst="ellipse">
@@ -3840,17 +3764,17 @@
             <a:pPr algn="ctr"/>
             <a:r>
               <a:rPr lang="en-CA" sz="1400" b="1" dirty="0"/>
-              <a:t>H</a:t>
-            </a:r>
-          </a:p>
-        </p:txBody>
-      </p:sp>
-      <p:sp>
-        <p:nvSpPr>
-          <p:cNvPr id="15" name="Oval 14">
-            <a:extLst>
-              <a:ext uri="{FF2B5EF4-FFF2-40B4-BE49-F238E27FC236}">
-                <a16:creationId xmlns:a16="http://schemas.microsoft.com/office/drawing/2014/main" id="{E189AC84-34C2-498D-8D07-C8411387C8B6}"/>
+              <a:t>J</a:t>
+            </a:r>
+          </a:p>
+        </p:txBody>
+      </p:sp>
+      <p:sp>
+        <p:nvSpPr>
+          <p:cNvPr id="17" name="Oval 16">
+            <a:extLst>
+              <a:ext uri="{FF2B5EF4-FFF2-40B4-BE49-F238E27FC236}">
+                <a16:creationId xmlns:a16="http://schemas.microsoft.com/office/drawing/2014/main" id="{E976B5A7-9EEB-4F14-B87B-9F7447A23A69}"/>
               </a:ext>
             </a:extLst>
           </p:cNvPr>
@@ -3859,7 +3783,7 @@
         </p:nvSpPr>
         <p:spPr>
           <a:xfrm>
-            <a:off x="1335464" y="1641835"/>
+            <a:off x="2634006" y="1641835"/>
             <a:ext cx="254524" cy="254524"/>
           </a:xfrm>
           <a:prstGeom prst="ellipse">
@@ -3889,17 +3813,17 @@
             <a:pPr algn="ctr"/>
             <a:r>
               <a:rPr lang="en-CA" sz="1400" b="1" dirty="0"/>
-              <a:t>I</a:t>
-            </a:r>
-          </a:p>
-        </p:txBody>
-      </p:sp>
-      <p:sp>
-        <p:nvSpPr>
-          <p:cNvPr id="16" name="Oval 15">
-            <a:extLst>
-              <a:ext uri="{FF2B5EF4-FFF2-40B4-BE49-F238E27FC236}">
-                <a16:creationId xmlns:a16="http://schemas.microsoft.com/office/drawing/2014/main" id="{871BBB6B-792C-4E59-925C-DDA254494FC6}"/>
+              <a:t>K</a:t>
+            </a:r>
+          </a:p>
+        </p:txBody>
+      </p:sp>
+      <p:sp>
+        <p:nvSpPr>
+          <p:cNvPr id="18" name="Oval 17">
+            <a:extLst>
+              <a:ext uri="{FF2B5EF4-FFF2-40B4-BE49-F238E27FC236}">
+                <a16:creationId xmlns:a16="http://schemas.microsoft.com/office/drawing/2014/main" id="{FD2CC5AE-5DC6-4DF9-92B3-61CF1B8562C0}"/>
               </a:ext>
             </a:extLst>
           </p:cNvPr>
@@ -3908,7 +3832,7 @@
         </p:nvSpPr>
         <p:spPr>
           <a:xfrm>
-            <a:off x="1751814" y="1341748"/>
+            <a:off x="1440728" y="3077851"/>
             <a:ext cx="254524" cy="254524"/>
           </a:xfrm>
           <a:prstGeom prst="ellipse">
@@ -3938,17 +3862,17 @@
             <a:pPr algn="ctr"/>
             <a:r>
               <a:rPr lang="en-CA" sz="1400" b="1" dirty="0"/>
-              <a:t>J</a:t>
-            </a:r>
-          </a:p>
-        </p:txBody>
-      </p:sp>
-      <p:sp>
-        <p:nvSpPr>
-          <p:cNvPr id="17" name="Oval 16">
-            <a:extLst>
-              <a:ext uri="{FF2B5EF4-FFF2-40B4-BE49-F238E27FC236}">
-                <a16:creationId xmlns:a16="http://schemas.microsoft.com/office/drawing/2014/main" id="{E976B5A7-9EEB-4F14-B87B-9F7447A23A69}"/>
+              <a:t>L</a:t>
+            </a:r>
+          </a:p>
+        </p:txBody>
+      </p:sp>
+      <p:sp>
+        <p:nvSpPr>
+          <p:cNvPr id="19" name="Oval 18">
+            <a:extLst>
+              <a:ext uri="{FF2B5EF4-FFF2-40B4-BE49-F238E27FC236}">
+                <a16:creationId xmlns:a16="http://schemas.microsoft.com/office/drawing/2014/main" id="{7D685D61-D666-407E-8D88-7DD2B3C634FE}"/>
               </a:ext>
             </a:extLst>
           </p:cNvPr>
@@ -3957,7 +3881,7 @@
         </p:nvSpPr>
         <p:spPr>
           <a:xfrm>
-            <a:off x="2634006" y="1641835"/>
+            <a:off x="2634006" y="2193302"/>
             <a:ext cx="254524" cy="254524"/>
           </a:xfrm>
           <a:prstGeom prst="ellipse">
@@ -3987,17 +3911,17 @@
             <a:pPr algn="ctr"/>
             <a:r>
               <a:rPr lang="en-CA" sz="1400" b="1" dirty="0"/>
-              <a:t>K</a:t>
-            </a:r>
-          </a:p>
-        </p:txBody>
-      </p:sp>
-      <p:sp>
-        <p:nvSpPr>
-          <p:cNvPr id="18" name="Oval 17">
-            <a:extLst>
-              <a:ext uri="{FF2B5EF4-FFF2-40B4-BE49-F238E27FC236}">
-                <a16:creationId xmlns:a16="http://schemas.microsoft.com/office/drawing/2014/main" id="{FD2CC5AE-5DC6-4DF9-92B3-61CF1B8562C0}"/>
+              <a:t>M</a:t>
+            </a:r>
+          </a:p>
+        </p:txBody>
+      </p:sp>
+      <p:sp>
+        <p:nvSpPr>
+          <p:cNvPr id="20" name="Oval 19">
+            <a:extLst>
+              <a:ext uri="{FF2B5EF4-FFF2-40B4-BE49-F238E27FC236}">
+                <a16:creationId xmlns:a16="http://schemas.microsoft.com/office/drawing/2014/main" id="{2D894129-C02E-418C-84B3-92394EE04E82}"/>
               </a:ext>
             </a:extLst>
           </p:cNvPr>
@@ -4006,7 +3930,7 @@
         </p:nvSpPr>
         <p:spPr>
           <a:xfrm>
-            <a:off x="1440728" y="3077851"/>
+            <a:off x="2634006" y="3073137"/>
             <a:ext cx="254524" cy="254524"/>
           </a:xfrm>
           <a:prstGeom prst="ellipse">
@@ -4036,17 +3960,17 @@
             <a:pPr algn="ctr"/>
             <a:r>
               <a:rPr lang="en-CA" sz="1400" b="1" dirty="0"/>
-              <a:t>L</a:t>
-            </a:r>
-          </a:p>
-        </p:txBody>
-      </p:sp>
-      <p:sp>
-        <p:nvSpPr>
-          <p:cNvPr id="19" name="Oval 18">
-            <a:extLst>
-              <a:ext uri="{FF2B5EF4-FFF2-40B4-BE49-F238E27FC236}">
-                <a16:creationId xmlns:a16="http://schemas.microsoft.com/office/drawing/2014/main" id="{7D685D61-D666-407E-8D88-7DD2B3C634FE}"/>
+              <a:t>N</a:t>
+            </a:r>
+          </a:p>
+        </p:txBody>
+      </p:sp>
+      <p:sp>
+        <p:nvSpPr>
+          <p:cNvPr id="21" name="Oval 20">
+            <a:extLst>
+              <a:ext uri="{FF2B5EF4-FFF2-40B4-BE49-F238E27FC236}">
+                <a16:creationId xmlns:a16="http://schemas.microsoft.com/office/drawing/2014/main" id="{2B601606-9403-4674-B107-3D4E21985D49}"/>
               </a:ext>
             </a:extLst>
           </p:cNvPr>
@@ -4055,7 +3979,7 @@
         </p:nvSpPr>
         <p:spPr>
           <a:xfrm>
-            <a:off x="2634006" y="2193302"/>
+            <a:off x="348006" y="4149363"/>
             <a:ext cx="254524" cy="254524"/>
           </a:xfrm>
           <a:prstGeom prst="ellipse">
@@ -4085,17 +4009,17 @@
             <a:pPr algn="ctr"/>
             <a:r>
               <a:rPr lang="en-CA" sz="1400" b="1" dirty="0"/>
-              <a:t>M</a:t>
-            </a:r>
-          </a:p>
-        </p:txBody>
-      </p:sp>
-      <p:sp>
-        <p:nvSpPr>
-          <p:cNvPr id="20" name="Oval 19">
-            <a:extLst>
-              <a:ext uri="{FF2B5EF4-FFF2-40B4-BE49-F238E27FC236}">
-                <a16:creationId xmlns:a16="http://schemas.microsoft.com/office/drawing/2014/main" id="{2D894129-C02E-418C-84B3-92394EE04E82}"/>
+              <a:t>O</a:t>
+            </a:r>
+          </a:p>
+        </p:txBody>
+      </p:sp>
+      <p:sp>
+        <p:nvSpPr>
+          <p:cNvPr id="22" name="Oval 21">
+            <a:extLst>
+              <a:ext uri="{FF2B5EF4-FFF2-40B4-BE49-F238E27FC236}">
+                <a16:creationId xmlns:a16="http://schemas.microsoft.com/office/drawing/2014/main" id="{D7E461D6-8026-4159-B1C2-9A1EAAE06428}"/>
               </a:ext>
             </a:extLst>
           </p:cNvPr>
@@ -4104,7 +4028,7 @@
         </p:nvSpPr>
         <p:spPr>
           <a:xfrm>
-            <a:off x="2634006" y="3073137"/>
+            <a:off x="259237" y="4914505"/>
             <a:ext cx="254524" cy="254524"/>
           </a:xfrm>
           <a:prstGeom prst="ellipse">
@@ -4134,17 +4058,17 @@
             <a:pPr algn="ctr"/>
             <a:r>
               <a:rPr lang="en-CA" sz="1400" b="1" dirty="0"/>
-              <a:t>N</a:t>
-            </a:r>
-          </a:p>
-        </p:txBody>
-      </p:sp>
-      <p:sp>
-        <p:nvSpPr>
-          <p:cNvPr id="21" name="Oval 20">
-            <a:extLst>
-              <a:ext uri="{FF2B5EF4-FFF2-40B4-BE49-F238E27FC236}">
-                <a16:creationId xmlns:a16="http://schemas.microsoft.com/office/drawing/2014/main" id="{2B601606-9403-4674-B107-3D4E21985D49}"/>
+              <a:t>P</a:t>
+            </a:r>
+          </a:p>
+        </p:txBody>
+      </p:sp>
+      <p:sp>
+        <p:nvSpPr>
+          <p:cNvPr id="23" name="Oval 22">
+            <a:extLst>
+              <a:ext uri="{FF2B5EF4-FFF2-40B4-BE49-F238E27FC236}">
+                <a16:creationId xmlns:a16="http://schemas.microsoft.com/office/drawing/2014/main" id="{2E163BBC-1357-4881-9ADD-4D424543B0D1}"/>
               </a:ext>
             </a:extLst>
           </p:cNvPr>
@@ -4153,7 +4077,7 @@
         </p:nvSpPr>
         <p:spPr>
           <a:xfrm>
-            <a:off x="348006" y="4149363"/>
+            <a:off x="1313466" y="4914505"/>
             <a:ext cx="254524" cy="254524"/>
           </a:xfrm>
           <a:prstGeom prst="ellipse">
@@ -4183,17 +4107,17 @@
             <a:pPr algn="ctr"/>
             <a:r>
               <a:rPr lang="en-CA" sz="1400" b="1" dirty="0"/>
-              <a:t>O</a:t>
-            </a:r>
-          </a:p>
-        </p:txBody>
-      </p:sp>
-      <p:sp>
-        <p:nvSpPr>
-          <p:cNvPr id="22" name="Oval 21">
-            <a:extLst>
-              <a:ext uri="{FF2B5EF4-FFF2-40B4-BE49-F238E27FC236}">
-                <a16:creationId xmlns:a16="http://schemas.microsoft.com/office/drawing/2014/main" id="{D7E461D6-8026-4159-B1C2-9A1EAAE06428}"/>
+              <a:t>Q</a:t>
+            </a:r>
+          </a:p>
+        </p:txBody>
+      </p:sp>
+      <p:sp>
+        <p:nvSpPr>
+          <p:cNvPr id="24" name="Oval 23">
+            <a:extLst>
+              <a:ext uri="{FF2B5EF4-FFF2-40B4-BE49-F238E27FC236}">
+                <a16:creationId xmlns:a16="http://schemas.microsoft.com/office/drawing/2014/main" id="{22186902-510D-4FF8-B809-4F12B2CFBF88}"/>
               </a:ext>
             </a:extLst>
           </p:cNvPr>
@@ -4202,7 +4126,7 @@
         </p:nvSpPr>
         <p:spPr>
           <a:xfrm>
-            <a:off x="259237" y="4914505"/>
+            <a:off x="2506744" y="4914505"/>
             <a:ext cx="254524" cy="254524"/>
           </a:xfrm>
           <a:prstGeom prst="ellipse">
@@ -4232,17 +4156,17 @@
             <a:pPr algn="ctr"/>
             <a:r>
               <a:rPr lang="en-CA" sz="1400" b="1" dirty="0"/>
-              <a:t>P</a:t>
-            </a:r>
-          </a:p>
-        </p:txBody>
-      </p:sp>
-      <p:sp>
-        <p:nvSpPr>
-          <p:cNvPr id="23" name="Oval 22">
-            <a:extLst>
-              <a:ext uri="{FF2B5EF4-FFF2-40B4-BE49-F238E27FC236}">
-                <a16:creationId xmlns:a16="http://schemas.microsoft.com/office/drawing/2014/main" id="{2E163BBC-1357-4881-9ADD-4D424543B0D1}"/>
+              <a:t>R</a:t>
+            </a:r>
+          </a:p>
+        </p:txBody>
+      </p:sp>
+      <p:sp>
+        <p:nvSpPr>
+          <p:cNvPr id="25" name="Oval 24">
+            <a:extLst>
+              <a:ext uri="{FF2B5EF4-FFF2-40B4-BE49-F238E27FC236}">
+                <a16:creationId xmlns:a16="http://schemas.microsoft.com/office/drawing/2014/main" id="{0E21405A-72C9-456B-8A51-E79F39D50AD9}"/>
               </a:ext>
             </a:extLst>
           </p:cNvPr>
@@ -4251,7 +4175,7 @@
         </p:nvSpPr>
         <p:spPr>
           <a:xfrm>
-            <a:off x="1313466" y="4914505"/>
+            <a:off x="3741801" y="4914505"/>
             <a:ext cx="254524" cy="254524"/>
           </a:xfrm>
           <a:prstGeom prst="ellipse">
@@ -4281,17 +4205,17 @@
             <a:pPr algn="ctr"/>
             <a:r>
               <a:rPr lang="en-CA" sz="1400" b="1" dirty="0"/>
-              <a:t>Q</a:t>
-            </a:r>
-          </a:p>
-        </p:txBody>
-      </p:sp>
-      <p:sp>
-        <p:nvSpPr>
-          <p:cNvPr id="24" name="Oval 23">
-            <a:extLst>
-              <a:ext uri="{FF2B5EF4-FFF2-40B4-BE49-F238E27FC236}">
-                <a16:creationId xmlns:a16="http://schemas.microsoft.com/office/drawing/2014/main" id="{22186902-510D-4FF8-B809-4F12B2CFBF88}"/>
+              <a:t>S</a:t>
+            </a:r>
+          </a:p>
+        </p:txBody>
+      </p:sp>
+      <p:sp>
+        <p:nvSpPr>
+          <p:cNvPr id="26" name="Oval 25">
+            <a:extLst>
+              <a:ext uri="{FF2B5EF4-FFF2-40B4-BE49-F238E27FC236}">
+                <a16:creationId xmlns:a16="http://schemas.microsoft.com/office/drawing/2014/main" id="{FBE749B9-3C13-4898-A401-14C8E7C59EBF}"/>
               </a:ext>
             </a:extLst>
           </p:cNvPr>
@@ -4300,7 +4224,7 @@
         </p:nvSpPr>
         <p:spPr>
           <a:xfrm>
-            <a:off x="2506744" y="4914505"/>
+            <a:off x="348006" y="5631728"/>
             <a:ext cx="254524" cy="254524"/>
           </a:xfrm>
           <a:prstGeom prst="ellipse">
@@ -4330,17 +4254,17 @@
             <a:pPr algn="ctr"/>
             <a:r>
               <a:rPr lang="en-CA" sz="1400" b="1" dirty="0"/>
-              <a:t>R</a:t>
-            </a:r>
-          </a:p>
-        </p:txBody>
-      </p:sp>
-      <p:sp>
-        <p:nvSpPr>
-          <p:cNvPr id="25" name="Oval 24">
-            <a:extLst>
-              <a:ext uri="{FF2B5EF4-FFF2-40B4-BE49-F238E27FC236}">
-                <a16:creationId xmlns:a16="http://schemas.microsoft.com/office/drawing/2014/main" id="{0E21405A-72C9-456B-8A51-E79F39D50AD9}"/>
+              <a:t>T</a:t>
+            </a:r>
+          </a:p>
+        </p:txBody>
+      </p:sp>
+      <p:sp>
+        <p:nvSpPr>
+          <p:cNvPr id="27" name="Oval 26">
+            <a:extLst>
+              <a:ext uri="{FF2B5EF4-FFF2-40B4-BE49-F238E27FC236}">
+                <a16:creationId xmlns:a16="http://schemas.microsoft.com/office/drawing/2014/main" id="{761611F4-25E0-4544-949C-67307D29CE8A}"/>
               </a:ext>
             </a:extLst>
           </p:cNvPr>
@@ -4349,7 +4273,7 @@
         </p:nvSpPr>
         <p:spPr>
           <a:xfrm>
-            <a:off x="3741801" y="4914505"/>
+            <a:off x="348006" y="6289250"/>
             <a:ext cx="254524" cy="254524"/>
           </a:xfrm>
           <a:prstGeom prst="ellipse">
@@ -4379,17 +4303,17 @@
             <a:pPr algn="ctr"/>
             <a:r>
               <a:rPr lang="en-CA" sz="1400" b="1" dirty="0"/>
-              <a:t>S</a:t>
-            </a:r>
-          </a:p>
-        </p:txBody>
-      </p:sp>
-      <p:sp>
-        <p:nvSpPr>
-          <p:cNvPr id="26" name="Oval 25">
-            <a:extLst>
-              <a:ext uri="{FF2B5EF4-FFF2-40B4-BE49-F238E27FC236}">
-                <a16:creationId xmlns:a16="http://schemas.microsoft.com/office/drawing/2014/main" id="{FBE749B9-3C13-4898-A401-14C8E7C59EBF}"/>
+              <a:t>U</a:t>
+            </a:r>
+          </a:p>
+        </p:txBody>
+      </p:sp>
+      <p:sp>
+        <p:nvSpPr>
+          <p:cNvPr id="29" name="Oval 28">
+            <a:extLst>
+              <a:ext uri="{FF2B5EF4-FFF2-40B4-BE49-F238E27FC236}">
+                <a16:creationId xmlns:a16="http://schemas.microsoft.com/office/drawing/2014/main" id="{C331FC25-EC55-4A34-B932-08EDF2E1BAA9}"/>
               </a:ext>
             </a:extLst>
           </p:cNvPr>
@@ -4398,7 +4322,7 @@
         </p:nvSpPr>
         <p:spPr>
           <a:xfrm>
-            <a:off x="348006" y="5631728"/>
+            <a:off x="8994745" y="1594705"/>
             <a:ext cx="254524" cy="254524"/>
           </a:xfrm>
           <a:prstGeom prst="ellipse">
@@ -4428,17 +4352,17 @@
             <a:pPr algn="ctr"/>
             <a:r>
               <a:rPr lang="en-CA" sz="1400" b="1" dirty="0"/>
-              <a:t>T</a:t>
-            </a:r>
-          </a:p>
-        </p:txBody>
-      </p:sp>
-      <p:sp>
-        <p:nvSpPr>
-          <p:cNvPr id="27" name="Oval 26">
-            <a:extLst>
-              <a:ext uri="{FF2B5EF4-FFF2-40B4-BE49-F238E27FC236}">
-                <a16:creationId xmlns:a16="http://schemas.microsoft.com/office/drawing/2014/main" id="{761611F4-25E0-4544-949C-67307D29CE8A}"/>
+              <a:t>E</a:t>
+            </a:r>
+          </a:p>
+        </p:txBody>
+      </p:sp>
+      <p:sp>
+        <p:nvSpPr>
+          <p:cNvPr id="30" name="Oval 29">
+            <a:extLst>
+              <a:ext uri="{FF2B5EF4-FFF2-40B4-BE49-F238E27FC236}">
+                <a16:creationId xmlns:a16="http://schemas.microsoft.com/office/drawing/2014/main" id="{2CF4CE0D-16E7-4876-ACBD-053984889918}"/>
               </a:ext>
             </a:extLst>
           </p:cNvPr>
@@ -4447,7 +4371,7 @@
         </p:nvSpPr>
         <p:spPr>
           <a:xfrm>
-            <a:off x="348006" y="6289250"/>
+            <a:off x="8994745" y="2901882"/>
             <a:ext cx="254524" cy="254524"/>
           </a:xfrm>
           <a:prstGeom prst="ellipse">
@@ -4477,7 +4401,252 @@
             <a:pPr algn="ctr"/>
             <a:r>
               <a:rPr lang="en-CA" sz="1400" b="1" dirty="0"/>
-              <a:t>U</a:t>
+              <a:t>F</a:t>
+            </a:r>
+          </a:p>
+        </p:txBody>
+      </p:sp>
+      <p:sp>
+        <p:nvSpPr>
+          <p:cNvPr id="31" name="Oval 30">
+            <a:extLst>
+              <a:ext uri="{FF2B5EF4-FFF2-40B4-BE49-F238E27FC236}">
+                <a16:creationId xmlns:a16="http://schemas.microsoft.com/office/drawing/2014/main" id="{A730EB3F-7633-4EA8-BBF1-A78C9D74DD0A}"/>
+              </a:ext>
+            </a:extLst>
+          </p:cNvPr>
+          <p:cNvSpPr/>
+          <p:nvPr/>
+        </p:nvSpPr>
+        <p:spPr>
+          <a:xfrm>
+            <a:off x="12342043" y="1044810"/>
+            <a:ext cx="254524" cy="254524"/>
+          </a:xfrm>
+          <a:prstGeom prst="ellipse">
+            <a:avLst/>
+          </a:prstGeom>
+        </p:spPr>
+        <p:style>
+          <a:lnRef idx="2">
+            <a:schemeClr val="accent1">
+              <a:shade val="50000"/>
+            </a:schemeClr>
+          </a:lnRef>
+          <a:fillRef idx="1">
+            <a:schemeClr val="accent1"/>
+          </a:fillRef>
+          <a:effectRef idx="0">
+            <a:schemeClr val="accent1"/>
+          </a:effectRef>
+          <a:fontRef idx="minor">
+            <a:schemeClr val="lt1"/>
+          </a:fontRef>
+        </p:style>
+        <p:txBody>
+          <a:bodyPr rtlCol="0" anchor="ctr"/>
+          <a:lstStyle/>
+          <a:p>
+            <a:pPr algn="ctr"/>
+            <a:r>
+              <a:rPr lang="en-CA" sz="1400" b="1" dirty="0"/>
+              <a:t>V</a:t>
+            </a:r>
+          </a:p>
+        </p:txBody>
+      </p:sp>
+      <p:sp>
+        <p:nvSpPr>
+          <p:cNvPr id="32" name="Oval 31">
+            <a:extLst>
+              <a:ext uri="{FF2B5EF4-FFF2-40B4-BE49-F238E27FC236}">
+                <a16:creationId xmlns:a16="http://schemas.microsoft.com/office/drawing/2014/main" id="{8AA048C9-57FE-4E01-A88C-4FAB0409AF3C}"/>
+              </a:ext>
+            </a:extLst>
+          </p:cNvPr>
+          <p:cNvSpPr/>
+          <p:nvPr/>
+        </p:nvSpPr>
+        <p:spPr>
+          <a:xfrm>
+            <a:off x="12342043" y="1428163"/>
+            <a:ext cx="254524" cy="254524"/>
+          </a:xfrm>
+          <a:prstGeom prst="ellipse">
+            <a:avLst/>
+          </a:prstGeom>
+        </p:spPr>
+        <p:style>
+          <a:lnRef idx="2">
+            <a:schemeClr val="accent1">
+              <a:shade val="50000"/>
+            </a:schemeClr>
+          </a:lnRef>
+          <a:fillRef idx="1">
+            <a:schemeClr val="accent1"/>
+          </a:fillRef>
+          <a:effectRef idx="0">
+            <a:schemeClr val="accent1"/>
+          </a:effectRef>
+          <a:fontRef idx="minor">
+            <a:schemeClr val="lt1"/>
+          </a:fontRef>
+        </p:style>
+        <p:txBody>
+          <a:bodyPr rtlCol="0" anchor="ctr"/>
+          <a:lstStyle/>
+          <a:p>
+            <a:pPr algn="ctr"/>
+            <a:r>
+              <a:rPr lang="en-CA" sz="1400" b="1" dirty="0"/>
+              <a:t>W</a:t>
+            </a:r>
+          </a:p>
+        </p:txBody>
+      </p:sp>
+      <p:sp>
+        <p:nvSpPr>
+          <p:cNvPr id="33" name="Oval 32">
+            <a:extLst>
+              <a:ext uri="{FF2B5EF4-FFF2-40B4-BE49-F238E27FC236}">
+                <a16:creationId xmlns:a16="http://schemas.microsoft.com/office/drawing/2014/main" id="{670881D3-6E19-41FE-98A9-282F319A00F7}"/>
+              </a:ext>
+            </a:extLst>
+          </p:cNvPr>
+          <p:cNvSpPr/>
+          <p:nvPr/>
+        </p:nvSpPr>
+        <p:spPr>
+          <a:xfrm>
+            <a:off x="12342043" y="1809951"/>
+            <a:ext cx="254524" cy="254524"/>
+          </a:xfrm>
+          <a:prstGeom prst="ellipse">
+            <a:avLst/>
+          </a:prstGeom>
+        </p:spPr>
+        <p:style>
+          <a:lnRef idx="2">
+            <a:schemeClr val="accent1">
+              <a:shade val="50000"/>
+            </a:schemeClr>
+          </a:lnRef>
+          <a:fillRef idx="1">
+            <a:schemeClr val="accent1"/>
+          </a:fillRef>
+          <a:effectRef idx="0">
+            <a:schemeClr val="accent1"/>
+          </a:effectRef>
+          <a:fontRef idx="minor">
+            <a:schemeClr val="lt1"/>
+          </a:fontRef>
+        </p:style>
+        <p:txBody>
+          <a:bodyPr rtlCol="0" anchor="ctr"/>
+          <a:lstStyle/>
+          <a:p>
+            <a:pPr algn="ctr"/>
+            <a:r>
+              <a:rPr lang="en-CA" sz="1400" b="1" dirty="0"/>
+              <a:t>X</a:t>
+            </a:r>
+          </a:p>
+        </p:txBody>
+      </p:sp>
+      <p:sp>
+        <p:nvSpPr>
+          <p:cNvPr id="34" name="Oval 33">
+            <a:extLst>
+              <a:ext uri="{FF2B5EF4-FFF2-40B4-BE49-F238E27FC236}">
+                <a16:creationId xmlns:a16="http://schemas.microsoft.com/office/drawing/2014/main" id="{C51EC14E-1827-4E12-AA9B-E2DB983712EF}"/>
+              </a:ext>
+            </a:extLst>
+          </p:cNvPr>
+          <p:cNvSpPr/>
+          <p:nvPr/>
+        </p:nvSpPr>
+        <p:spPr>
+          <a:xfrm>
+            <a:off x="12342829" y="2191739"/>
+            <a:ext cx="254524" cy="254524"/>
+          </a:xfrm>
+          <a:prstGeom prst="ellipse">
+            <a:avLst/>
+          </a:prstGeom>
+        </p:spPr>
+        <p:style>
+          <a:lnRef idx="2">
+            <a:schemeClr val="accent1">
+              <a:shade val="50000"/>
+            </a:schemeClr>
+          </a:lnRef>
+          <a:fillRef idx="1">
+            <a:schemeClr val="accent1"/>
+          </a:fillRef>
+          <a:effectRef idx="0">
+            <a:schemeClr val="accent1"/>
+          </a:effectRef>
+          <a:fontRef idx="minor">
+            <a:schemeClr val="lt1"/>
+          </a:fontRef>
+        </p:style>
+        <p:txBody>
+          <a:bodyPr rtlCol="0" anchor="ctr"/>
+          <a:lstStyle/>
+          <a:p>
+            <a:pPr algn="ctr"/>
+            <a:r>
+              <a:rPr lang="en-CA" sz="1400" b="1" dirty="0"/>
+              <a:t>Y</a:t>
+            </a:r>
+          </a:p>
+        </p:txBody>
+      </p:sp>
+      <p:sp>
+        <p:nvSpPr>
+          <p:cNvPr id="35" name="Oval 34">
+            <a:extLst>
+              <a:ext uri="{FF2B5EF4-FFF2-40B4-BE49-F238E27FC236}">
+                <a16:creationId xmlns:a16="http://schemas.microsoft.com/office/drawing/2014/main" id="{977F1ED7-525A-4B4E-8E5E-A471665E9FF3}"/>
+              </a:ext>
+            </a:extLst>
+          </p:cNvPr>
+          <p:cNvSpPr/>
+          <p:nvPr/>
+        </p:nvSpPr>
+        <p:spPr>
+          <a:xfrm>
+            <a:off x="12342043" y="2573527"/>
+            <a:ext cx="254524" cy="254524"/>
+          </a:xfrm>
+          <a:prstGeom prst="ellipse">
+            <a:avLst/>
+          </a:prstGeom>
+        </p:spPr>
+        <p:style>
+          <a:lnRef idx="2">
+            <a:schemeClr val="accent1">
+              <a:shade val="50000"/>
+            </a:schemeClr>
+          </a:lnRef>
+          <a:fillRef idx="1">
+            <a:schemeClr val="accent1"/>
+          </a:fillRef>
+          <a:effectRef idx="0">
+            <a:schemeClr val="accent1"/>
+          </a:effectRef>
+          <a:fontRef idx="minor">
+            <a:schemeClr val="lt1"/>
+          </a:fontRef>
+        </p:style>
+        <p:txBody>
+          <a:bodyPr rtlCol="0" anchor="ctr"/>
+          <a:lstStyle/>
+          <a:p>
+            <a:pPr algn="ctr"/>
+            <a:r>
+              <a:rPr lang="en-CA" sz="1400" b="1" dirty="0"/>
+              <a:t>Z</a:t>
             </a:r>
           </a:p>
         </p:txBody>
